--- a/doc/designDoc.pptx
+++ b/doc/designDoc.pptx
@@ -4,6 +4,9 @@
   <p:sldMasterIdLst>
     <p:sldMasterId id="2147483648" r:id="rId1"/>
   </p:sldMasterIdLst>
+  <p:notesMasterIdLst>
+    <p:notesMasterId r:id="rId4"/>
+  </p:notesMasterIdLst>
   <p:sldIdLst>
     <p:sldId id="289" r:id="rId2"/>
     <p:sldId id="290" r:id="rId3"/>
@@ -106,6 +109,440 @@
     </a:lvl9pPr>
   </p:defaultTextStyle>
 </p:presentation>
+</file>
+
+<file path=ppt/notesMasters/notesMaster1.xml><?xml version="1.0" encoding="utf-8"?>
+<p:notesMaster xmlns:a="http://schemas.openxmlformats.org/drawingml/2006/main" xmlns:r="http://schemas.openxmlformats.org/officeDocument/2006/relationships" xmlns:p="http://schemas.openxmlformats.org/presentationml/2006/main">
+  <p:cSld>
+    <p:bg>
+      <p:bgRef idx="1001">
+        <a:schemeClr val="bg1"/>
+      </p:bgRef>
+    </p:bg>
+    <p:spTree>
+      <p:nvGrpSpPr>
+        <p:cNvPr id="1" name=""/>
+        <p:cNvGrpSpPr/>
+        <p:nvPr/>
+      </p:nvGrpSpPr>
+      <p:grpSpPr>
+        <a:xfrm>
+          <a:off x="0" y="0"/>
+          <a:ext cx="0" cy="0"/>
+          <a:chOff x="0" y="0"/>
+          <a:chExt cx="0" cy="0"/>
+        </a:xfrm>
+      </p:grpSpPr>
+      <p:sp>
+        <p:nvSpPr>
+          <p:cNvPr id="2" name="Header Placeholder 1"/>
+          <p:cNvSpPr>
+            <a:spLocks noGrp="1"/>
+          </p:cNvSpPr>
+          <p:nvPr>
+            <p:ph type="hdr" sz="quarter"/>
+          </p:nvPr>
+        </p:nvSpPr>
+        <p:spPr>
+          <a:xfrm>
+            <a:off x="0" y="0"/>
+            <a:ext cx="2971800" cy="458788"/>
+          </a:xfrm>
+          <a:prstGeom prst="rect">
+            <a:avLst/>
+          </a:prstGeom>
+        </p:spPr>
+        <p:txBody>
+          <a:bodyPr vert="horz" lIns="91440" tIns="45720" rIns="91440" bIns="45720" rtlCol="0"/>
+          <a:lstStyle>
+            <a:lvl1pPr algn="l">
+              <a:defRPr sz="1200"/>
+            </a:lvl1pPr>
+          </a:lstStyle>
+          <a:p>
+            <a:endParaRPr lang="en-SG"/>
+          </a:p>
+        </p:txBody>
+      </p:sp>
+      <p:sp>
+        <p:nvSpPr>
+          <p:cNvPr id="3" name="Date Placeholder 2"/>
+          <p:cNvSpPr>
+            <a:spLocks noGrp="1"/>
+          </p:cNvSpPr>
+          <p:nvPr>
+            <p:ph type="dt" idx="1"/>
+          </p:nvPr>
+        </p:nvSpPr>
+        <p:spPr>
+          <a:xfrm>
+            <a:off x="3884613" y="0"/>
+            <a:ext cx="2971800" cy="458788"/>
+          </a:xfrm>
+          <a:prstGeom prst="rect">
+            <a:avLst/>
+          </a:prstGeom>
+        </p:spPr>
+        <p:txBody>
+          <a:bodyPr vert="horz" lIns="91440" tIns="45720" rIns="91440" bIns="45720" rtlCol="0"/>
+          <a:lstStyle>
+            <a:lvl1pPr algn="r">
+              <a:defRPr sz="1200"/>
+            </a:lvl1pPr>
+          </a:lstStyle>
+          <a:p>
+            <a:fld id="{78EF987F-89C8-4B3A-8A32-CD01B93F97E7}" type="datetimeFigureOut">
+              <a:rPr lang="en-SG" smtClean="0"/>
+              <a:t>17/2/2022</a:t>
+            </a:fld>
+            <a:endParaRPr lang="en-SG"/>
+          </a:p>
+        </p:txBody>
+      </p:sp>
+      <p:sp>
+        <p:nvSpPr>
+          <p:cNvPr id="4" name="Slide Image Placeholder 3"/>
+          <p:cNvSpPr>
+            <a:spLocks noGrp="1" noRot="1" noChangeAspect="1"/>
+          </p:cNvSpPr>
+          <p:nvPr>
+            <p:ph type="sldImg" idx="2"/>
+          </p:nvPr>
+        </p:nvSpPr>
+        <p:spPr>
+          <a:xfrm>
+            <a:off x="685800" y="1143000"/>
+            <a:ext cx="5486400" cy="3086100"/>
+          </a:xfrm>
+          <a:prstGeom prst="rect">
+            <a:avLst/>
+          </a:prstGeom>
+          <a:noFill/>
+          <a:ln w="12700">
+            <a:solidFill>
+              <a:prstClr val="black"/>
+            </a:solidFill>
+          </a:ln>
+        </p:spPr>
+        <p:txBody>
+          <a:bodyPr vert="horz" lIns="91440" tIns="45720" rIns="91440" bIns="45720" rtlCol="0" anchor="ctr"/>
+          <a:lstStyle/>
+          <a:p>
+            <a:endParaRPr lang="en-SG"/>
+          </a:p>
+        </p:txBody>
+      </p:sp>
+      <p:sp>
+        <p:nvSpPr>
+          <p:cNvPr id="5" name="Notes Placeholder 4"/>
+          <p:cNvSpPr>
+            <a:spLocks noGrp="1"/>
+          </p:cNvSpPr>
+          <p:nvPr>
+            <p:ph type="body" sz="quarter" idx="3"/>
+          </p:nvPr>
+        </p:nvSpPr>
+        <p:spPr>
+          <a:xfrm>
+            <a:off x="685800" y="4400550"/>
+            <a:ext cx="5486400" cy="3600450"/>
+          </a:xfrm>
+          <a:prstGeom prst="rect">
+            <a:avLst/>
+          </a:prstGeom>
+        </p:spPr>
+        <p:txBody>
+          <a:bodyPr vert="horz" lIns="91440" tIns="45720" rIns="91440" bIns="45720" rtlCol="0"/>
+          <a:lstStyle/>
+          <a:p>
+            <a:pPr lvl="0"/>
+            <a:r>
+              <a:rPr lang="en-US"/>
+              <a:t>Click to edit Master text styles</a:t>
+            </a:r>
+          </a:p>
+          <a:p>
+            <a:pPr lvl="1"/>
+            <a:r>
+              <a:rPr lang="en-US"/>
+              <a:t>Second level</a:t>
+            </a:r>
+          </a:p>
+          <a:p>
+            <a:pPr lvl="2"/>
+            <a:r>
+              <a:rPr lang="en-US"/>
+              <a:t>Third level</a:t>
+            </a:r>
+          </a:p>
+          <a:p>
+            <a:pPr lvl="3"/>
+            <a:r>
+              <a:rPr lang="en-US"/>
+              <a:t>Fourth level</a:t>
+            </a:r>
+          </a:p>
+          <a:p>
+            <a:pPr lvl="4"/>
+            <a:r>
+              <a:rPr lang="en-US"/>
+              <a:t>Fifth level</a:t>
+            </a:r>
+            <a:endParaRPr lang="en-SG"/>
+          </a:p>
+        </p:txBody>
+      </p:sp>
+      <p:sp>
+        <p:nvSpPr>
+          <p:cNvPr id="6" name="Footer Placeholder 5"/>
+          <p:cNvSpPr>
+            <a:spLocks noGrp="1"/>
+          </p:cNvSpPr>
+          <p:nvPr>
+            <p:ph type="ftr" sz="quarter" idx="4"/>
+          </p:nvPr>
+        </p:nvSpPr>
+        <p:spPr>
+          <a:xfrm>
+            <a:off x="0" y="8685213"/>
+            <a:ext cx="2971800" cy="458787"/>
+          </a:xfrm>
+          <a:prstGeom prst="rect">
+            <a:avLst/>
+          </a:prstGeom>
+        </p:spPr>
+        <p:txBody>
+          <a:bodyPr vert="horz" lIns="91440" tIns="45720" rIns="91440" bIns="45720" rtlCol="0" anchor="b"/>
+          <a:lstStyle>
+            <a:lvl1pPr algn="l">
+              <a:defRPr sz="1200"/>
+            </a:lvl1pPr>
+          </a:lstStyle>
+          <a:p>
+            <a:endParaRPr lang="en-SG"/>
+          </a:p>
+        </p:txBody>
+      </p:sp>
+      <p:sp>
+        <p:nvSpPr>
+          <p:cNvPr id="7" name="Slide Number Placeholder 6"/>
+          <p:cNvSpPr>
+            <a:spLocks noGrp="1"/>
+          </p:cNvSpPr>
+          <p:nvPr>
+            <p:ph type="sldNum" sz="quarter" idx="5"/>
+          </p:nvPr>
+        </p:nvSpPr>
+        <p:spPr>
+          <a:xfrm>
+            <a:off x="3884613" y="8685213"/>
+            <a:ext cx="2971800" cy="458787"/>
+          </a:xfrm>
+          <a:prstGeom prst="rect">
+            <a:avLst/>
+          </a:prstGeom>
+        </p:spPr>
+        <p:txBody>
+          <a:bodyPr vert="horz" lIns="91440" tIns="45720" rIns="91440" bIns="45720" rtlCol="0" anchor="b"/>
+          <a:lstStyle>
+            <a:lvl1pPr algn="r">
+              <a:defRPr sz="1200"/>
+            </a:lvl1pPr>
+          </a:lstStyle>
+          <a:p>
+            <a:fld id="{521DF133-4834-4127-BCD6-CF043AD472DF}" type="slidenum">
+              <a:rPr lang="en-SG" smtClean="0"/>
+              <a:t>‹#›</a:t>
+            </a:fld>
+            <a:endParaRPr lang="en-SG"/>
+          </a:p>
+        </p:txBody>
+      </p:sp>
+    </p:spTree>
+    <p:extLst>
+      <p:ext uri="{BB962C8B-B14F-4D97-AF65-F5344CB8AC3E}">
+        <p14:creationId xmlns:p14="http://schemas.microsoft.com/office/powerpoint/2010/main" val="4120061049"/>
+      </p:ext>
+    </p:extLst>
+  </p:cSld>
+  <p:clrMap bg1="lt1" tx1="dk1" bg2="lt2" tx2="dk2" accent1="accent1" accent2="accent2" accent3="accent3" accent4="accent4" accent5="accent5" accent6="accent6" hlink="hlink" folHlink="folHlink"/>
+  <p:notesStyle>
+    <a:lvl1pPr marL="0" algn="l" defTabSz="914400" rtl="0" eaLnBrk="1" latinLnBrk="0" hangingPunct="1">
+      <a:defRPr sz="1200" kern="1200">
+        <a:solidFill>
+          <a:schemeClr val="tx1"/>
+        </a:solidFill>
+        <a:latin typeface="+mn-lt"/>
+        <a:ea typeface="+mn-ea"/>
+        <a:cs typeface="+mn-cs"/>
+      </a:defRPr>
+    </a:lvl1pPr>
+    <a:lvl2pPr marL="457200" algn="l" defTabSz="914400" rtl="0" eaLnBrk="1" latinLnBrk="0" hangingPunct="1">
+      <a:defRPr sz="1200" kern="1200">
+        <a:solidFill>
+          <a:schemeClr val="tx1"/>
+        </a:solidFill>
+        <a:latin typeface="+mn-lt"/>
+        <a:ea typeface="+mn-ea"/>
+        <a:cs typeface="+mn-cs"/>
+      </a:defRPr>
+    </a:lvl2pPr>
+    <a:lvl3pPr marL="914400" algn="l" defTabSz="914400" rtl="0" eaLnBrk="1" latinLnBrk="0" hangingPunct="1">
+      <a:defRPr sz="1200" kern="1200">
+        <a:solidFill>
+          <a:schemeClr val="tx1"/>
+        </a:solidFill>
+        <a:latin typeface="+mn-lt"/>
+        <a:ea typeface="+mn-ea"/>
+        <a:cs typeface="+mn-cs"/>
+      </a:defRPr>
+    </a:lvl3pPr>
+    <a:lvl4pPr marL="1371600" algn="l" defTabSz="914400" rtl="0" eaLnBrk="1" latinLnBrk="0" hangingPunct="1">
+      <a:defRPr sz="1200" kern="1200">
+        <a:solidFill>
+          <a:schemeClr val="tx1"/>
+        </a:solidFill>
+        <a:latin typeface="+mn-lt"/>
+        <a:ea typeface="+mn-ea"/>
+        <a:cs typeface="+mn-cs"/>
+      </a:defRPr>
+    </a:lvl4pPr>
+    <a:lvl5pPr marL="1828800" algn="l" defTabSz="914400" rtl="0" eaLnBrk="1" latinLnBrk="0" hangingPunct="1">
+      <a:defRPr sz="1200" kern="1200">
+        <a:solidFill>
+          <a:schemeClr val="tx1"/>
+        </a:solidFill>
+        <a:latin typeface="+mn-lt"/>
+        <a:ea typeface="+mn-ea"/>
+        <a:cs typeface="+mn-cs"/>
+      </a:defRPr>
+    </a:lvl5pPr>
+    <a:lvl6pPr marL="2286000" algn="l" defTabSz="914400" rtl="0" eaLnBrk="1" latinLnBrk="0" hangingPunct="1">
+      <a:defRPr sz="1200" kern="1200">
+        <a:solidFill>
+          <a:schemeClr val="tx1"/>
+        </a:solidFill>
+        <a:latin typeface="+mn-lt"/>
+        <a:ea typeface="+mn-ea"/>
+        <a:cs typeface="+mn-cs"/>
+      </a:defRPr>
+    </a:lvl6pPr>
+    <a:lvl7pPr marL="2743200" algn="l" defTabSz="914400" rtl="0" eaLnBrk="1" latinLnBrk="0" hangingPunct="1">
+      <a:defRPr sz="1200" kern="1200">
+        <a:solidFill>
+          <a:schemeClr val="tx1"/>
+        </a:solidFill>
+        <a:latin typeface="+mn-lt"/>
+        <a:ea typeface="+mn-ea"/>
+        <a:cs typeface="+mn-cs"/>
+      </a:defRPr>
+    </a:lvl7pPr>
+    <a:lvl8pPr marL="3200400" algn="l" defTabSz="914400" rtl="0" eaLnBrk="1" latinLnBrk="0" hangingPunct="1">
+      <a:defRPr sz="1200" kern="1200">
+        <a:solidFill>
+          <a:schemeClr val="tx1"/>
+        </a:solidFill>
+        <a:latin typeface="+mn-lt"/>
+        <a:ea typeface="+mn-ea"/>
+        <a:cs typeface="+mn-cs"/>
+      </a:defRPr>
+    </a:lvl8pPr>
+    <a:lvl9pPr marL="3657600" algn="l" defTabSz="914400" rtl="0" eaLnBrk="1" latinLnBrk="0" hangingPunct="1">
+      <a:defRPr sz="1200" kern="1200">
+        <a:solidFill>
+          <a:schemeClr val="tx1"/>
+        </a:solidFill>
+        <a:latin typeface="+mn-lt"/>
+        <a:ea typeface="+mn-ea"/>
+        <a:cs typeface="+mn-cs"/>
+      </a:defRPr>
+    </a:lvl9pPr>
+  </p:notesStyle>
+</p:notesMaster>
+</file>
+
+<file path=ppt/notesSlides/notesSlide1.xml><?xml version="1.0" encoding="utf-8"?>
+<p:notes xmlns:a="http://schemas.openxmlformats.org/drawingml/2006/main" xmlns:r="http://schemas.openxmlformats.org/officeDocument/2006/relationships" xmlns:p="http://schemas.openxmlformats.org/presentationml/2006/main">
+  <p:cSld>
+    <p:spTree>
+      <p:nvGrpSpPr>
+        <p:cNvPr id="1" name=""/>
+        <p:cNvGrpSpPr/>
+        <p:nvPr/>
+      </p:nvGrpSpPr>
+      <p:grpSpPr>
+        <a:xfrm>
+          <a:off x="0" y="0"/>
+          <a:ext cx="0" cy="0"/>
+          <a:chOff x="0" y="0"/>
+          <a:chExt cx="0" cy="0"/>
+        </a:xfrm>
+      </p:grpSpPr>
+      <p:sp>
+        <p:nvSpPr>
+          <p:cNvPr id="2" name="Slide Image Placeholder 1"/>
+          <p:cNvSpPr>
+            <a:spLocks noGrp="1" noRot="1" noChangeAspect="1"/>
+          </p:cNvSpPr>
+          <p:nvPr>
+            <p:ph type="sldImg"/>
+          </p:nvPr>
+        </p:nvSpPr>
+        <p:spPr/>
+      </p:sp>
+      <p:sp>
+        <p:nvSpPr>
+          <p:cNvPr id="3" name="Notes Placeholder 2"/>
+          <p:cNvSpPr>
+            <a:spLocks noGrp="1"/>
+          </p:cNvSpPr>
+          <p:nvPr>
+            <p:ph type="body" idx="1"/>
+          </p:nvPr>
+        </p:nvSpPr>
+        <p:spPr/>
+        <p:txBody>
+          <a:bodyPr/>
+          <a:lstStyle/>
+          <a:p>
+            <a:endParaRPr lang="en-SG" dirty="0"/>
+          </a:p>
+        </p:txBody>
+      </p:sp>
+      <p:sp>
+        <p:nvSpPr>
+          <p:cNvPr id="4" name="Slide Number Placeholder 3"/>
+          <p:cNvSpPr>
+            <a:spLocks noGrp="1"/>
+          </p:cNvSpPr>
+          <p:nvPr>
+            <p:ph type="sldNum" sz="quarter" idx="5"/>
+          </p:nvPr>
+        </p:nvSpPr>
+        <p:spPr/>
+        <p:txBody>
+          <a:bodyPr/>
+          <a:lstStyle/>
+          <a:p>
+            <a:fld id="{521DF133-4834-4127-BCD6-CF043AD472DF}" type="slidenum">
+              <a:rPr lang="en-SG" smtClean="0"/>
+              <a:t>2</a:t>
+            </a:fld>
+            <a:endParaRPr lang="en-SG"/>
+          </a:p>
+        </p:txBody>
+      </p:sp>
+    </p:spTree>
+    <p:extLst>
+      <p:ext uri="{BB962C8B-B14F-4D97-AF65-F5344CB8AC3E}">
+        <p14:creationId xmlns:p14="http://schemas.microsoft.com/office/powerpoint/2010/main" val="3527191123"/>
+      </p:ext>
+    </p:extLst>
+  </p:cSld>
+  <p:clrMapOvr>
+    <a:masterClrMapping/>
+  </p:clrMapOvr>
+</p:notes>
 </file>
 
 <file path=ppt/slideLayouts/slideLayout1.xml><?xml version="1.0" encoding="utf-8"?>
@@ -3879,6 +4316,60 @@
           <a:chExt cx="0" cy="0"/>
         </a:xfrm>
       </p:grpSpPr>
+      <p:sp>
+        <p:nvSpPr>
+          <p:cNvPr id="49" name="Rectangle 48">
+            <a:extLst>
+              <a:ext uri="{FF2B5EF4-FFF2-40B4-BE49-F238E27FC236}">
+                <a16:creationId xmlns:a16="http://schemas.microsoft.com/office/drawing/2014/main" id="{17A1A090-0244-424E-A95D-265F6E5BC9AE}"/>
+              </a:ext>
+            </a:extLst>
+          </p:cNvPr>
+          <p:cNvSpPr/>
+          <p:nvPr/>
+        </p:nvSpPr>
+        <p:spPr>
+          <a:xfrm>
+            <a:off x="386862" y="913517"/>
+            <a:ext cx="11602618" cy="3213006"/>
+          </a:xfrm>
+          <a:prstGeom prst="rect">
+            <a:avLst/>
+          </a:prstGeom>
+          <a:noFill/>
+          <a:ln w="9525" cap="flat" cmpd="sng" algn="ctr">
+            <a:solidFill>
+              <a:schemeClr val="dk1"/>
+            </a:solidFill>
+            <a:prstDash val="solid"/>
+            <a:round/>
+            <a:headEnd type="none" w="med" len="med"/>
+            <a:tailEnd type="none" w="med" len="med"/>
+          </a:ln>
+        </p:spPr>
+        <p:style>
+          <a:lnRef idx="0">
+            <a:scrgbClr r="0" g="0" b="0"/>
+          </a:lnRef>
+          <a:fillRef idx="0">
+            <a:scrgbClr r="0" g="0" b="0"/>
+          </a:fillRef>
+          <a:effectRef idx="0">
+            <a:scrgbClr r="0" g="0" b="0"/>
+          </a:effectRef>
+          <a:fontRef idx="minor">
+            <a:schemeClr val="dk1"/>
+          </a:fontRef>
+        </p:style>
+        <p:txBody>
+          <a:bodyPr rtlCol="0" anchor="ctr"/>
+          <a:lstStyle/>
+          <a:p>
+            <a:pPr algn="ctr"/>
+            <a:endParaRPr lang="en-SG"/>
+          </a:p>
+        </p:txBody>
+      </p:sp>
       <p:pic>
         <p:nvPicPr>
           <p:cNvPr id="5" name="Picture 4">
@@ -3894,7 +4385,7 @@
           <p:nvPr/>
         </p:nvPicPr>
         <p:blipFill>
-          <a:blip r:embed="rId2"/>
+          <a:blip r:embed="rId3"/>
           <a:stretch>
             <a:fillRect/>
           </a:stretch>
@@ -3929,7 +4420,7 @@
           <p:nvPr/>
         </p:nvPicPr>
         <p:blipFill>
-          <a:blip r:embed="rId3">
+          <a:blip r:embed="rId4">
             <a:extLst>
               <a:ext uri="{28A0092B-C50C-407E-A947-70E740481C1C}">
                 <a14:useLocalDpi xmlns:a14="http://schemas.microsoft.com/office/drawing/2010/main" val="0"/>
@@ -3976,14 +4467,14 @@
           <p:nvPr/>
         </p:nvPicPr>
         <p:blipFill>
-          <a:blip r:embed="rId4"/>
+          <a:blip r:embed="rId5"/>
           <a:stretch>
             <a:fillRect/>
           </a:stretch>
         </p:blipFill>
         <p:spPr>
           <a:xfrm>
-            <a:off x="5966259" y="2121307"/>
+            <a:off x="5986159" y="2121307"/>
             <a:ext cx="811543" cy="546085"/>
           </a:xfrm>
           <a:prstGeom prst="rect">
@@ -4006,7 +4497,7 @@
           <p:nvPr/>
         </p:nvPicPr>
         <p:blipFill>
-          <a:blip r:embed="rId5">
+          <a:blip r:embed="rId6">
             <a:extLst>
               <a:ext uri="{28A0092B-C50C-407E-A947-70E740481C1C}">
                 <a14:useLocalDpi xmlns:a14="http://schemas.microsoft.com/office/drawing/2010/main" val="0"/>
@@ -4053,14 +4544,14 @@
           <p:nvPr/>
         </p:nvPicPr>
         <p:blipFill>
-          <a:blip r:embed="rId6"/>
+          <a:blip r:embed="rId7"/>
           <a:stretch>
             <a:fillRect/>
           </a:stretch>
         </p:blipFill>
         <p:spPr>
           <a:xfrm>
-            <a:off x="7415041" y="2470168"/>
+            <a:off x="7268752" y="2348920"/>
             <a:ext cx="1663485" cy="594103"/>
           </a:xfrm>
           <a:prstGeom prst="rect">
@@ -4082,8 +4573,8 @@
         </p:nvSpPr>
         <p:spPr>
           <a:xfrm>
-            <a:off x="9319374" y="2667392"/>
-            <a:ext cx="2475229" cy="1236170"/>
+            <a:off x="9319374" y="2667391"/>
+            <a:ext cx="2521527" cy="1316435"/>
           </a:xfrm>
           <a:prstGeom prst="rect">
             <a:avLst/>
@@ -4136,7 +4627,7 @@
           <p:nvPr/>
         </p:nvPicPr>
         <p:blipFill>
-          <a:blip r:embed="rId7"/>
+          <a:blip r:embed="rId8"/>
           <a:stretch>
             <a:fillRect/>
           </a:stretch>
@@ -4171,7 +4662,7 @@
           <p:nvPr/>
         </p:nvPicPr>
         <p:blipFill>
-          <a:blip r:embed="rId8">
+          <a:blip r:embed="rId9">
             <a:extLst>
               <a:ext uri="{28A0092B-C50C-407E-A947-70E740481C1C}">
                 <a14:useLocalDpi xmlns:a14="http://schemas.microsoft.com/office/drawing/2010/main" val="0"/>
@@ -4192,6 +4683,853 @@
           </a:prstGeom>
         </p:spPr>
       </p:pic>
+      <p:cxnSp>
+        <p:nvCxnSpPr>
+          <p:cNvPr id="16" name="Straight Connector 15">
+            <a:extLst>
+              <a:ext uri="{FF2B5EF4-FFF2-40B4-BE49-F238E27FC236}">
+                <a16:creationId xmlns:a16="http://schemas.microsoft.com/office/drawing/2014/main" id="{1B5ABD05-C201-4513-90E6-9EA8C1669B69}"/>
+              </a:ext>
+            </a:extLst>
+          </p:cNvPr>
+          <p:cNvCxnSpPr>
+            <a:stCxn id="1026" idx="1"/>
+          </p:cNvCxnSpPr>
+          <p:nvPr/>
+        </p:nvCxnSpPr>
+        <p:spPr>
+          <a:xfrm flipH="1" flipV="1">
+            <a:off x="5190125" y="1449547"/>
+            <a:ext cx="755935" cy="1"/>
+          </a:xfrm>
+          <a:prstGeom prst="line">
+            <a:avLst/>
+          </a:prstGeom>
+          <a:ln w="28575"/>
+        </p:spPr>
+        <p:style>
+          <a:lnRef idx="1">
+            <a:schemeClr val="accent1"/>
+          </a:lnRef>
+          <a:fillRef idx="0">
+            <a:schemeClr val="accent1"/>
+          </a:fillRef>
+          <a:effectRef idx="0">
+            <a:schemeClr val="accent1"/>
+          </a:effectRef>
+          <a:fontRef idx="minor">
+            <a:schemeClr val="tx1"/>
+          </a:fontRef>
+        </p:style>
+      </p:cxnSp>
+      <p:sp>
+        <p:nvSpPr>
+          <p:cNvPr id="18" name="TextBox 17">
+            <a:extLst>
+              <a:ext uri="{FF2B5EF4-FFF2-40B4-BE49-F238E27FC236}">
+                <a16:creationId xmlns:a16="http://schemas.microsoft.com/office/drawing/2014/main" id="{F4D245AE-1B1D-40D2-91B4-BD393DD41A75}"/>
+              </a:ext>
+            </a:extLst>
+          </p:cNvPr>
+          <p:cNvSpPr txBox="1"/>
+          <p:nvPr/>
+        </p:nvSpPr>
+        <p:spPr>
+          <a:xfrm>
+            <a:off x="5946060" y="913517"/>
+            <a:ext cx="1252066" cy="261610"/>
+          </a:xfrm>
+          <a:prstGeom prst="rect">
+            <a:avLst/>
+          </a:prstGeom>
+          <a:noFill/>
+        </p:spPr>
+        <p:txBody>
+          <a:bodyPr wrap="square" rtlCol="0">
+            <a:spAutoFit/>
+          </a:bodyPr>
+          <a:lstStyle/>
+          <a:p>
+            <a:r>
+              <a:rPr lang="en-SG" sz="1100" b="1" dirty="0">
+                <a:latin typeface="Calibri" panose="020F0502020204030204" pitchFamily="34" charset="0"/>
+                <a:ea typeface="DengXian" panose="02010600030101010101" pitchFamily="2" charset="-122"/>
+              </a:rPr>
+              <a:t>A</a:t>
+            </a:r>
+            <a:r>
+              <a:rPr lang="en-SG" sz="1100" b="1" dirty="0">
+                <a:effectLst/>
+                <a:latin typeface="Calibri" panose="020F0502020204030204" pitchFamily="34" charset="0"/>
+                <a:ea typeface="DengXian" panose="02010600030101010101" pitchFamily="2" charset="-122"/>
+              </a:rPr>
+              <a:t>rduino</a:t>
+            </a:r>
+            <a:endParaRPr lang="en-SG" sz="1100" b="1" dirty="0"/>
+          </a:p>
+        </p:txBody>
+      </p:sp>
+      <p:sp>
+        <p:nvSpPr>
+          <p:cNvPr id="20" name="TextBox 19">
+            <a:extLst>
+              <a:ext uri="{FF2B5EF4-FFF2-40B4-BE49-F238E27FC236}">
+                <a16:creationId xmlns:a16="http://schemas.microsoft.com/office/drawing/2014/main" id="{CE706A25-C378-44E6-9F05-229206C3456C}"/>
+              </a:ext>
+            </a:extLst>
+          </p:cNvPr>
+          <p:cNvSpPr txBox="1"/>
+          <p:nvPr/>
+        </p:nvSpPr>
+        <p:spPr>
+          <a:xfrm>
+            <a:off x="3650367" y="1187937"/>
+            <a:ext cx="1456429" cy="261610"/>
+          </a:xfrm>
+          <a:prstGeom prst="rect">
+            <a:avLst/>
+          </a:prstGeom>
+          <a:noFill/>
+        </p:spPr>
+        <p:txBody>
+          <a:bodyPr wrap="square" rtlCol="0">
+            <a:spAutoFit/>
+          </a:bodyPr>
+          <a:lstStyle/>
+          <a:p>
+            <a:r>
+              <a:rPr lang="en-US" sz="1100" b="1" dirty="0"/>
+              <a:t>Generator hardware </a:t>
+            </a:r>
+            <a:endParaRPr lang="en-SG" sz="1100" b="1" dirty="0"/>
+          </a:p>
+        </p:txBody>
+      </p:sp>
+      <p:sp>
+        <p:nvSpPr>
+          <p:cNvPr id="22" name="TextBox 21">
+            <a:extLst>
+              <a:ext uri="{FF2B5EF4-FFF2-40B4-BE49-F238E27FC236}">
+                <a16:creationId xmlns:a16="http://schemas.microsoft.com/office/drawing/2014/main" id="{B15A20A0-2EA9-4F55-96B5-99143DD93AF8}"/>
+              </a:ext>
+            </a:extLst>
+          </p:cNvPr>
+          <p:cNvSpPr txBox="1"/>
+          <p:nvPr/>
+        </p:nvSpPr>
+        <p:spPr>
+          <a:xfrm>
+            <a:off x="5159914" y="1208159"/>
+            <a:ext cx="1252066" cy="430887"/>
+          </a:xfrm>
+          <a:prstGeom prst="rect">
+            <a:avLst/>
+          </a:prstGeom>
+          <a:noFill/>
+        </p:spPr>
+        <p:txBody>
+          <a:bodyPr wrap="square" rtlCol="0">
+            <a:spAutoFit/>
+          </a:bodyPr>
+          <a:lstStyle/>
+          <a:p>
+            <a:r>
+              <a:rPr lang="en-SG" sz="1100" dirty="0">
+                <a:latin typeface="Calibri" panose="020F0502020204030204" pitchFamily="34" charset="0"/>
+                <a:ea typeface="DengXian" panose="02010600030101010101" pitchFamily="2" charset="-122"/>
+              </a:rPr>
+              <a:t>A</a:t>
+            </a:r>
+            <a:r>
+              <a:rPr lang="en-SG" sz="1100" dirty="0">
+                <a:effectLst/>
+                <a:latin typeface="Calibri" panose="020F0502020204030204" pitchFamily="34" charset="0"/>
+                <a:ea typeface="DengXian" panose="02010600030101010101" pitchFamily="2" charset="-122"/>
+              </a:rPr>
+              <a:t>rduino I/O output </a:t>
+            </a:r>
+            <a:endParaRPr lang="en-SG" sz="1100" dirty="0"/>
+          </a:p>
+        </p:txBody>
+      </p:sp>
+      <p:cxnSp>
+        <p:nvCxnSpPr>
+          <p:cNvPr id="25" name="Straight Connector 24">
+            <a:extLst>
+              <a:ext uri="{FF2B5EF4-FFF2-40B4-BE49-F238E27FC236}">
+                <a16:creationId xmlns:a16="http://schemas.microsoft.com/office/drawing/2014/main" id="{52974B8A-700E-47AB-8DA5-5A92A18DB2EC}"/>
+              </a:ext>
+            </a:extLst>
+          </p:cNvPr>
+          <p:cNvCxnSpPr>
+            <a:stCxn id="7" idx="0"/>
+            <a:endCxn id="1026" idx="2"/>
+          </p:cNvCxnSpPr>
+          <p:nvPr/>
+        </p:nvCxnSpPr>
+        <p:spPr>
+          <a:xfrm flipH="1" flipV="1">
+            <a:off x="6351832" y="1736779"/>
+            <a:ext cx="0" cy="384528"/>
+          </a:xfrm>
+          <a:prstGeom prst="line">
+            <a:avLst/>
+          </a:prstGeom>
+          <a:ln w="19050"/>
+        </p:spPr>
+        <p:style>
+          <a:lnRef idx="1">
+            <a:schemeClr val="accent1"/>
+          </a:lnRef>
+          <a:fillRef idx="0">
+            <a:schemeClr val="accent1"/>
+          </a:fillRef>
+          <a:effectRef idx="0">
+            <a:schemeClr val="accent1"/>
+          </a:effectRef>
+          <a:fontRef idx="minor">
+            <a:schemeClr val="tx1"/>
+          </a:fontRef>
+        </p:style>
+      </p:cxnSp>
+      <p:sp>
+        <p:nvSpPr>
+          <p:cNvPr id="27" name="TextBox 26">
+            <a:extLst>
+              <a:ext uri="{FF2B5EF4-FFF2-40B4-BE49-F238E27FC236}">
+                <a16:creationId xmlns:a16="http://schemas.microsoft.com/office/drawing/2014/main" id="{1D5AD6FE-C746-4D9C-B73F-D525D365D929}"/>
+              </a:ext>
+            </a:extLst>
+          </p:cNvPr>
+          <p:cNvSpPr txBox="1"/>
+          <p:nvPr/>
+        </p:nvSpPr>
+        <p:spPr>
+          <a:xfrm>
+            <a:off x="5959553" y="1957430"/>
+            <a:ext cx="1252066" cy="261610"/>
+          </a:xfrm>
+          <a:prstGeom prst="rect">
+            <a:avLst/>
+          </a:prstGeom>
+          <a:noFill/>
+        </p:spPr>
+        <p:txBody>
+          <a:bodyPr wrap="square" rtlCol="0">
+            <a:spAutoFit/>
+          </a:bodyPr>
+          <a:lstStyle/>
+          <a:p>
+            <a:r>
+              <a:rPr lang="en-US" sz="1100" b="1" dirty="0">
+                <a:latin typeface="Calibri" panose="020F0502020204030204" pitchFamily="34" charset="0"/>
+                <a:ea typeface="DengXian" panose="02010600030101010101" pitchFamily="2" charset="-122"/>
+              </a:rPr>
+              <a:t>Raspberry PI</a:t>
+            </a:r>
+            <a:endParaRPr lang="en-SG" sz="1100" b="1" dirty="0"/>
+          </a:p>
+        </p:txBody>
+      </p:sp>
+      <p:sp>
+        <p:nvSpPr>
+          <p:cNvPr id="28" name="TextBox 27">
+            <a:extLst>
+              <a:ext uri="{FF2B5EF4-FFF2-40B4-BE49-F238E27FC236}">
+                <a16:creationId xmlns:a16="http://schemas.microsoft.com/office/drawing/2014/main" id="{65DF5322-F045-4379-A0C7-0ACADE9BDD94}"/>
+              </a:ext>
+            </a:extLst>
+          </p:cNvPr>
+          <p:cNvSpPr txBox="1"/>
+          <p:nvPr/>
+        </p:nvSpPr>
+        <p:spPr>
+          <a:xfrm>
+            <a:off x="5946060" y="1788888"/>
+            <a:ext cx="1859445" cy="261610"/>
+          </a:xfrm>
+          <a:prstGeom prst="rect">
+            <a:avLst/>
+          </a:prstGeom>
+          <a:noFill/>
+        </p:spPr>
+        <p:txBody>
+          <a:bodyPr wrap="square" rtlCol="0">
+            <a:spAutoFit/>
+          </a:bodyPr>
+          <a:lstStyle/>
+          <a:p>
+            <a:r>
+              <a:rPr lang="en-US" sz="1100" dirty="0"/>
+              <a:t>Raspberry PI USB output  </a:t>
+            </a:r>
+            <a:endParaRPr lang="en-SG" sz="1100" dirty="0"/>
+          </a:p>
+        </p:txBody>
+      </p:sp>
+      <p:sp>
+        <p:nvSpPr>
+          <p:cNvPr id="29" name="TextBox 28">
+            <a:extLst>
+              <a:ext uri="{FF2B5EF4-FFF2-40B4-BE49-F238E27FC236}">
+                <a16:creationId xmlns:a16="http://schemas.microsoft.com/office/drawing/2014/main" id="{CBE0CABA-6796-4AE0-96D1-8CF1B9B3CE65}"/>
+              </a:ext>
+            </a:extLst>
+          </p:cNvPr>
+          <p:cNvSpPr txBox="1"/>
+          <p:nvPr/>
+        </p:nvSpPr>
+        <p:spPr>
+          <a:xfrm>
+            <a:off x="5946060" y="2812218"/>
+            <a:ext cx="1252066" cy="261610"/>
+          </a:xfrm>
+          <a:prstGeom prst="rect">
+            <a:avLst/>
+          </a:prstGeom>
+          <a:noFill/>
+        </p:spPr>
+        <p:txBody>
+          <a:bodyPr wrap="square" rtlCol="0">
+            <a:spAutoFit/>
+          </a:bodyPr>
+          <a:lstStyle/>
+          <a:p>
+            <a:r>
+              <a:rPr lang="en-US" sz="1100" b="1" dirty="0">
+                <a:latin typeface="Calibri" panose="020F0502020204030204" pitchFamily="34" charset="0"/>
+                <a:ea typeface="DengXian" panose="02010600030101010101" pitchFamily="2" charset="-122"/>
+              </a:rPr>
+              <a:t>M221 PLC</a:t>
+            </a:r>
+            <a:endParaRPr lang="en-SG" sz="1100" b="1" dirty="0"/>
+          </a:p>
+        </p:txBody>
+      </p:sp>
+      <p:cxnSp>
+        <p:nvCxnSpPr>
+          <p:cNvPr id="30" name="Connector: Elbow 29">
+            <a:extLst>
+              <a:ext uri="{FF2B5EF4-FFF2-40B4-BE49-F238E27FC236}">
+                <a16:creationId xmlns:a16="http://schemas.microsoft.com/office/drawing/2014/main" id="{4AE892E1-F55C-426A-91AC-357254D9641A}"/>
+              </a:ext>
+            </a:extLst>
+          </p:cNvPr>
+          <p:cNvCxnSpPr>
+            <a:cxnSpLocks/>
+            <a:endCxn id="5" idx="3"/>
+          </p:cNvCxnSpPr>
+          <p:nvPr/>
+        </p:nvCxnSpPr>
+        <p:spPr>
+          <a:xfrm rot="10800000">
+            <a:off x="5190125" y="2518077"/>
+            <a:ext cx="796034" cy="676536"/>
+          </a:xfrm>
+          <a:prstGeom prst="bentConnector3">
+            <a:avLst/>
+          </a:prstGeom>
+          <a:ln w="19050"/>
+        </p:spPr>
+        <p:style>
+          <a:lnRef idx="1">
+            <a:schemeClr val="accent1"/>
+          </a:lnRef>
+          <a:fillRef idx="0">
+            <a:schemeClr val="accent1"/>
+          </a:fillRef>
+          <a:effectRef idx="0">
+            <a:schemeClr val="accent1"/>
+          </a:effectRef>
+          <a:fontRef idx="minor">
+            <a:schemeClr val="tx1"/>
+          </a:fontRef>
+        </p:style>
+      </p:cxnSp>
+      <p:cxnSp>
+        <p:nvCxnSpPr>
+          <p:cNvPr id="33" name="Straight Connector 32">
+            <a:extLst>
+              <a:ext uri="{FF2B5EF4-FFF2-40B4-BE49-F238E27FC236}">
+                <a16:creationId xmlns:a16="http://schemas.microsoft.com/office/drawing/2014/main" id="{FEB05F47-DE62-41B4-9191-C87DDB92E66A}"/>
+              </a:ext>
+            </a:extLst>
+          </p:cNvPr>
+          <p:cNvCxnSpPr>
+            <a:cxnSpLocks/>
+          </p:cNvCxnSpPr>
+          <p:nvPr/>
+        </p:nvCxnSpPr>
+        <p:spPr>
+          <a:xfrm>
+            <a:off x="5190125" y="3680749"/>
+            <a:ext cx="796034" cy="0"/>
+          </a:xfrm>
+          <a:prstGeom prst="line">
+            <a:avLst/>
+          </a:prstGeom>
+          <a:ln w="28575"/>
+        </p:spPr>
+        <p:style>
+          <a:lnRef idx="1">
+            <a:schemeClr val="accent1"/>
+          </a:lnRef>
+          <a:fillRef idx="0">
+            <a:schemeClr val="accent1"/>
+          </a:fillRef>
+          <a:effectRef idx="0">
+            <a:schemeClr val="accent1"/>
+          </a:effectRef>
+          <a:fontRef idx="minor">
+            <a:schemeClr val="tx1"/>
+          </a:fontRef>
+        </p:style>
+      </p:cxnSp>
+      <p:sp>
+        <p:nvSpPr>
+          <p:cNvPr id="36" name="TextBox 35">
+            <a:extLst>
+              <a:ext uri="{FF2B5EF4-FFF2-40B4-BE49-F238E27FC236}">
+                <a16:creationId xmlns:a16="http://schemas.microsoft.com/office/drawing/2014/main" id="{03758F67-7D71-4541-B3AB-22E51809948C}"/>
+              </a:ext>
+            </a:extLst>
+          </p:cNvPr>
+          <p:cNvSpPr txBox="1"/>
+          <p:nvPr/>
+        </p:nvSpPr>
+        <p:spPr>
+          <a:xfrm>
+            <a:off x="5159914" y="3465305"/>
+            <a:ext cx="928166" cy="430887"/>
+          </a:xfrm>
+          <a:prstGeom prst="rect">
+            <a:avLst/>
+          </a:prstGeom>
+          <a:noFill/>
+        </p:spPr>
+        <p:txBody>
+          <a:bodyPr wrap="square" rtlCol="0">
+            <a:spAutoFit/>
+          </a:bodyPr>
+          <a:lstStyle/>
+          <a:p>
+            <a:r>
+              <a:rPr lang="en-US" sz="1100" dirty="0"/>
+              <a:t>PLC to fuel pump switch </a:t>
+            </a:r>
+            <a:endParaRPr lang="en-SG" sz="1100" dirty="0"/>
+          </a:p>
+        </p:txBody>
+      </p:sp>
+      <p:sp>
+        <p:nvSpPr>
+          <p:cNvPr id="37" name="TextBox 36">
+            <a:extLst>
+              <a:ext uri="{FF2B5EF4-FFF2-40B4-BE49-F238E27FC236}">
+                <a16:creationId xmlns:a16="http://schemas.microsoft.com/office/drawing/2014/main" id="{C7C2A4C3-B05A-4AC3-AE00-CBE892D1E9D9}"/>
+              </a:ext>
+            </a:extLst>
+          </p:cNvPr>
+          <p:cNvSpPr txBox="1"/>
+          <p:nvPr/>
+        </p:nvSpPr>
+        <p:spPr>
+          <a:xfrm>
+            <a:off x="5147162" y="2559670"/>
+            <a:ext cx="1100183" cy="430887"/>
+          </a:xfrm>
+          <a:prstGeom prst="rect">
+            <a:avLst/>
+          </a:prstGeom>
+          <a:noFill/>
+        </p:spPr>
+        <p:txBody>
+          <a:bodyPr wrap="square" rtlCol="0">
+            <a:spAutoFit/>
+          </a:bodyPr>
+          <a:lstStyle/>
+          <a:p>
+            <a:r>
+              <a:rPr lang="en-US" sz="1100" dirty="0"/>
+              <a:t>PLC to motor control switch </a:t>
+            </a:r>
+            <a:endParaRPr lang="en-SG" sz="1100" dirty="0"/>
+          </a:p>
+        </p:txBody>
+      </p:sp>
+      <p:cxnSp>
+        <p:nvCxnSpPr>
+          <p:cNvPr id="38" name="Connector: Elbow 37">
+            <a:extLst>
+              <a:ext uri="{FF2B5EF4-FFF2-40B4-BE49-F238E27FC236}">
+                <a16:creationId xmlns:a16="http://schemas.microsoft.com/office/drawing/2014/main" id="{965218BE-7112-4744-94F9-DBFDAF699F72}"/>
+              </a:ext>
+            </a:extLst>
+          </p:cNvPr>
+          <p:cNvCxnSpPr>
+            <a:stCxn id="7" idx="3"/>
+            <a:endCxn id="10" idx="1"/>
+          </p:cNvCxnSpPr>
+          <p:nvPr/>
+        </p:nvCxnSpPr>
+        <p:spPr>
+          <a:xfrm>
+            <a:off x="6797702" y="2394350"/>
+            <a:ext cx="471050" cy="251622"/>
+          </a:xfrm>
+          <a:prstGeom prst="bentConnector3">
+            <a:avLst/>
+          </a:prstGeom>
+          <a:ln w="19050">
+            <a:solidFill>
+              <a:srgbClr val="00B050"/>
+            </a:solidFill>
+          </a:ln>
+        </p:spPr>
+        <p:style>
+          <a:lnRef idx="1">
+            <a:schemeClr val="accent1"/>
+          </a:lnRef>
+          <a:fillRef idx="0">
+            <a:schemeClr val="accent1"/>
+          </a:fillRef>
+          <a:effectRef idx="0">
+            <a:schemeClr val="accent1"/>
+          </a:effectRef>
+          <a:fontRef idx="minor">
+            <a:schemeClr val="tx1"/>
+          </a:fontRef>
+        </p:style>
+      </p:cxnSp>
+      <p:cxnSp>
+        <p:nvCxnSpPr>
+          <p:cNvPr id="40" name="Connector: Elbow 39">
+            <a:extLst>
+              <a:ext uri="{FF2B5EF4-FFF2-40B4-BE49-F238E27FC236}">
+                <a16:creationId xmlns:a16="http://schemas.microsoft.com/office/drawing/2014/main" id="{31E9434D-7267-4D09-940F-3B9506BEA038}"/>
+              </a:ext>
+            </a:extLst>
+          </p:cNvPr>
+          <p:cNvCxnSpPr>
+            <a:cxnSpLocks/>
+            <a:stCxn id="9" idx="3"/>
+            <a:endCxn id="10" idx="2"/>
+          </p:cNvCxnSpPr>
+          <p:nvPr/>
+        </p:nvCxnSpPr>
+        <p:spPr>
+          <a:xfrm flipV="1">
+            <a:off x="6837801" y="2943023"/>
+            <a:ext cx="1262694" cy="534718"/>
+          </a:xfrm>
+          <a:prstGeom prst="bentConnector2">
+            <a:avLst/>
+          </a:prstGeom>
+          <a:ln w="19050">
+            <a:solidFill>
+              <a:srgbClr val="00B050"/>
+            </a:solidFill>
+          </a:ln>
+        </p:spPr>
+        <p:style>
+          <a:lnRef idx="1">
+            <a:schemeClr val="accent1"/>
+          </a:lnRef>
+          <a:fillRef idx="0">
+            <a:schemeClr val="accent1"/>
+          </a:fillRef>
+          <a:effectRef idx="0">
+            <a:schemeClr val="accent1"/>
+          </a:effectRef>
+          <a:fontRef idx="minor">
+            <a:schemeClr val="tx1"/>
+          </a:fontRef>
+        </p:style>
+      </p:cxnSp>
+      <p:sp>
+        <p:nvSpPr>
+          <p:cNvPr id="43" name="TextBox 42">
+            <a:extLst>
+              <a:ext uri="{FF2B5EF4-FFF2-40B4-BE49-F238E27FC236}">
+                <a16:creationId xmlns:a16="http://schemas.microsoft.com/office/drawing/2014/main" id="{C7493121-AD27-4288-9915-2E3393BA14AA}"/>
+              </a:ext>
+            </a:extLst>
+          </p:cNvPr>
+          <p:cNvSpPr txBox="1"/>
+          <p:nvPr/>
+        </p:nvSpPr>
+        <p:spPr>
+          <a:xfrm>
+            <a:off x="7268752" y="2215007"/>
+            <a:ext cx="1252066" cy="261610"/>
+          </a:xfrm>
+          <a:prstGeom prst="rect">
+            <a:avLst/>
+          </a:prstGeom>
+          <a:noFill/>
+        </p:spPr>
+        <p:txBody>
+          <a:bodyPr wrap="square" rtlCol="0">
+            <a:spAutoFit/>
+          </a:bodyPr>
+          <a:lstStyle/>
+          <a:p>
+            <a:r>
+              <a:rPr lang="en-US" sz="1100" b="1" dirty="0"/>
+              <a:t>Network switch </a:t>
+            </a:r>
+            <a:endParaRPr lang="en-SG" sz="1100" b="1" dirty="0"/>
+          </a:p>
+        </p:txBody>
+      </p:sp>
+      <p:cxnSp>
+        <p:nvCxnSpPr>
+          <p:cNvPr id="44" name="Connector: Elbow 43">
+            <a:extLst>
+              <a:ext uri="{FF2B5EF4-FFF2-40B4-BE49-F238E27FC236}">
+                <a16:creationId xmlns:a16="http://schemas.microsoft.com/office/drawing/2014/main" id="{8D83DF00-E3FC-417C-B959-E8A5AC8BFD34}"/>
+              </a:ext>
+            </a:extLst>
+          </p:cNvPr>
+          <p:cNvCxnSpPr>
+            <a:cxnSpLocks/>
+            <a:stCxn id="11" idx="1"/>
+            <a:endCxn id="10" idx="3"/>
+          </p:cNvCxnSpPr>
+          <p:nvPr/>
+        </p:nvCxnSpPr>
+        <p:spPr>
+          <a:xfrm rot="10800000" flipV="1">
+            <a:off x="8932238" y="2294022"/>
+            <a:ext cx="387137" cy="351949"/>
+          </a:xfrm>
+          <a:prstGeom prst="bentConnector3">
+            <a:avLst>
+              <a:gd name="adj1" fmla="val 50000"/>
+            </a:avLst>
+          </a:prstGeom>
+          <a:ln w="19050">
+            <a:solidFill>
+              <a:srgbClr val="00B050"/>
+            </a:solidFill>
+          </a:ln>
+        </p:spPr>
+        <p:style>
+          <a:lnRef idx="1">
+            <a:schemeClr val="accent1"/>
+          </a:lnRef>
+          <a:fillRef idx="0">
+            <a:schemeClr val="accent1"/>
+          </a:fillRef>
+          <a:effectRef idx="0">
+            <a:schemeClr val="accent1"/>
+          </a:effectRef>
+          <a:fontRef idx="minor">
+            <a:schemeClr val="tx1"/>
+          </a:fontRef>
+        </p:style>
+      </p:cxnSp>
+      <p:sp>
+        <p:nvSpPr>
+          <p:cNvPr id="47" name="TextBox 46">
+            <a:extLst>
+              <a:ext uri="{FF2B5EF4-FFF2-40B4-BE49-F238E27FC236}">
+                <a16:creationId xmlns:a16="http://schemas.microsoft.com/office/drawing/2014/main" id="{FB5C755B-0198-4A5D-9042-9CDB249381A2}"/>
+              </a:ext>
+            </a:extLst>
+          </p:cNvPr>
+          <p:cNvSpPr txBox="1"/>
+          <p:nvPr/>
+        </p:nvSpPr>
+        <p:spPr>
+          <a:xfrm>
+            <a:off x="9271254" y="3722217"/>
+            <a:ext cx="1695796" cy="261610"/>
+          </a:xfrm>
+          <a:prstGeom prst="rect">
+            <a:avLst/>
+          </a:prstGeom>
+          <a:noFill/>
+        </p:spPr>
+        <p:txBody>
+          <a:bodyPr wrap="square" rtlCol="0">
+            <a:spAutoFit/>
+          </a:bodyPr>
+          <a:lstStyle/>
+          <a:p>
+            <a:r>
+              <a:rPr lang="en-US" sz="1100" b="1" dirty="0"/>
+              <a:t>Generator control HMI </a:t>
+            </a:r>
+            <a:endParaRPr lang="en-SG" sz="1100" b="1" dirty="0"/>
+          </a:p>
+        </p:txBody>
+      </p:sp>
+      <p:sp>
+        <p:nvSpPr>
+          <p:cNvPr id="48" name="TextBox 47">
+            <a:extLst>
+              <a:ext uri="{FF2B5EF4-FFF2-40B4-BE49-F238E27FC236}">
+                <a16:creationId xmlns:a16="http://schemas.microsoft.com/office/drawing/2014/main" id="{55073557-777A-4D6C-BB1B-D44D4C9ACF5A}"/>
+              </a:ext>
+            </a:extLst>
+          </p:cNvPr>
+          <p:cNvSpPr txBox="1"/>
+          <p:nvPr/>
+        </p:nvSpPr>
+        <p:spPr>
+          <a:xfrm>
+            <a:off x="9245835" y="1575878"/>
+            <a:ext cx="1695796" cy="261610"/>
+          </a:xfrm>
+          <a:prstGeom prst="rect">
+            <a:avLst/>
+          </a:prstGeom>
+          <a:noFill/>
+        </p:spPr>
+        <p:txBody>
+          <a:bodyPr wrap="square" rtlCol="0">
+            <a:spAutoFit/>
+          </a:bodyPr>
+          <a:lstStyle/>
+          <a:p>
+            <a:r>
+              <a:rPr lang="en-US" sz="1100" b="1" dirty="0"/>
+              <a:t>Monitor PC</a:t>
+            </a:r>
+            <a:endParaRPr lang="en-SG" sz="1100" b="1" dirty="0"/>
+          </a:p>
+        </p:txBody>
+      </p:sp>
+      <p:pic>
+        <p:nvPicPr>
+          <p:cNvPr id="1028" name="Picture 4">
+            <a:extLst>
+              <a:ext uri="{FF2B5EF4-FFF2-40B4-BE49-F238E27FC236}">
+                <a16:creationId xmlns:a16="http://schemas.microsoft.com/office/drawing/2014/main" id="{667A0354-4162-46AF-9C73-3049801996E3}"/>
+              </a:ext>
+            </a:extLst>
+          </p:cNvPr>
+          <p:cNvPicPr>
+            <a:picLocks noChangeAspect="1" noChangeArrowheads="1"/>
+          </p:cNvPicPr>
+          <p:nvPr/>
+        </p:nvPicPr>
+        <p:blipFill>
+          <a:blip r:embed="rId10">
+            <a:extLst>
+              <a:ext uri="{28A0092B-C50C-407E-A947-70E740481C1C}">
+                <a14:useLocalDpi xmlns:a14="http://schemas.microsoft.com/office/drawing/2010/main" val="0"/>
+              </a:ext>
+            </a:extLst>
+          </a:blip>
+          <a:srcRect/>
+          <a:stretch>
+            <a:fillRect/>
+          </a:stretch>
+        </p:blipFill>
+        <p:spPr bwMode="auto">
+          <a:xfrm>
+            <a:off x="10960528" y="1780453"/>
+            <a:ext cx="847079" cy="847079"/>
+          </a:xfrm>
+          <a:prstGeom prst="rect">
+            <a:avLst/>
+          </a:prstGeom>
+          <a:noFill/>
+          <a:extLst>
+            <a:ext uri="{909E8E84-426E-40DD-AFC4-6F175D3DCCD1}">
+              <a14:hiddenFill xmlns:a14="http://schemas.microsoft.com/office/drawing/2010/main">
+                <a:solidFill>
+                  <a:srgbClr val="FFFFFF"/>
+                </a:solidFill>
+              </a14:hiddenFill>
+            </a:ext>
+          </a:extLst>
+        </p:spPr>
+      </p:pic>
+      <p:sp>
+        <p:nvSpPr>
+          <p:cNvPr id="50" name="TextBox 49">
+            <a:extLst>
+              <a:ext uri="{FF2B5EF4-FFF2-40B4-BE49-F238E27FC236}">
+                <a16:creationId xmlns:a16="http://schemas.microsoft.com/office/drawing/2014/main" id="{575B5577-8A14-4638-8614-AC8451747832}"/>
+              </a:ext>
+            </a:extLst>
+          </p:cNvPr>
+          <p:cNvSpPr txBox="1"/>
+          <p:nvPr/>
+        </p:nvSpPr>
+        <p:spPr>
+          <a:xfrm>
+            <a:off x="11142401" y="1559217"/>
+            <a:ext cx="847079" cy="261610"/>
+          </a:xfrm>
+          <a:prstGeom prst="rect">
+            <a:avLst/>
+          </a:prstGeom>
+          <a:noFill/>
+        </p:spPr>
+        <p:txBody>
+          <a:bodyPr wrap="square" rtlCol="0">
+            <a:spAutoFit/>
+          </a:bodyPr>
+          <a:lstStyle/>
+          <a:p>
+            <a:r>
+              <a:rPr lang="en-US" sz="1100" b="1" dirty="0"/>
+              <a:t>user</a:t>
+            </a:r>
+            <a:endParaRPr lang="en-SG" sz="1100" b="1" dirty="0"/>
+          </a:p>
+        </p:txBody>
+      </p:sp>
+      <p:sp>
+        <p:nvSpPr>
+          <p:cNvPr id="46" name="Arrow: Left-Right 45">
+            <a:extLst>
+              <a:ext uri="{FF2B5EF4-FFF2-40B4-BE49-F238E27FC236}">
+                <a16:creationId xmlns:a16="http://schemas.microsoft.com/office/drawing/2014/main" id="{D536B0CE-83F5-4AE6-83A9-CA584B602374}"/>
+              </a:ext>
+            </a:extLst>
+          </p:cNvPr>
+          <p:cNvSpPr/>
+          <p:nvPr/>
+        </p:nvSpPr>
+        <p:spPr>
+          <a:xfrm>
+            <a:off x="10668000" y="2088235"/>
+            <a:ext cx="386862" cy="126772"/>
+          </a:xfrm>
+          <a:prstGeom prst="leftRightArrow">
+            <a:avLst/>
+          </a:prstGeom>
+        </p:spPr>
+        <p:style>
+          <a:lnRef idx="2">
+            <a:schemeClr val="accent1">
+              <a:shade val="50000"/>
+            </a:schemeClr>
+          </a:lnRef>
+          <a:fillRef idx="1">
+            <a:schemeClr val="accent1"/>
+          </a:fillRef>
+          <a:effectRef idx="0">
+            <a:schemeClr val="accent1"/>
+          </a:effectRef>
+          <a:fontRef idx="minor">
+            <a:schemeClr val="lt1"/>
+          </a:fontRef>
+        </p:style>
+        <p:txBody>
+          <a:bodyPr rtlCol="0" anchor="ctr"/>
+          <a:lstStyle/>
+          <a:p>
+            <a:pPr algn="ctr"/>
+            <a:endParaRPr lang="en-SG"/>
+          </a:p>
+        </p:txBody>
+      </p:sp>
     </p:spTree>
     <p:extLst>
       <p:ext uri="{BB962C8B-B14F-4D97-AF65-F5344CB8AC3E}">
@@ -4498,4 +5836,299 @@
     </a:ext>
   </a:extLst>
 </a:theme>
+</file>
+
+<file path=ppt/theme/theme2.xml><?xml version="1.0" encoding="utf-8"?>
+<a:theme xmlns:a="http://schemas.openxmlformats.org/drawingml/2006/main" name="Office Theme">
+  <a:themeElements>
+    <a:clrScheme name="Office">
+      <a:dk1>
+        <a:sysClr val="windowText" lastClr="000000"/>
+      </a:dk1>
+      <a:lt1>
+        <a:sysClr val="window" lastClr="FFFFFF"/>
+      </a:lt1>
+      <a:dk2>
+        <a:srgbClr val="44546A"/>
+      </a:dk2>
+      <a:lt2>
+        <a:srgbClr val="E7E6E6"/>
+      </a:lt2>
+      <a:accent1>
+        <a:srgbClr val="4472C4"/>
+      </a:accent1>
+      <a:accent2>
+        <a:srgbClr val="ED7D31"/>
+      </a:accent2>
+      <a:accent3>
+        <a:srgbClr val="A5A5A5"/>
+      </a:accent3>
+      <a:accent4>
+        <a:srgbClr val="FFC000"/>
+      </a:accent4>
+      <a:accent5>
+        <a:srgbClr val="5B9BD5"/>
+      </a:accent5>
+      <a:accent6>
+        <a:srgbClr val="70AD47"/>
+      </a:accent6>
+      <a:hlink>
+        <a:srgbClr val="0563C1"/>
+      </a:hlink>
+      <a:folHlink>
+        <a:srgbClr val="954F72"/>
+      </a:folHlink>
+    </a:clrScheme>
+    <a:fontScheme name="Office">
+      <a:majorFont>
+        <a:latin typeface="Calibri Light" panose="020F0302020204030204"/>
+        <a:ea typeface=""/>
+        <a:cs typeface=""/>
+        <a:font script="Jpan" typeface="游ゴシック Light"/>
+        <a:font script="Hang" typeface="맑은 고딕"/>
+        <a:font script="Hans" typeface="等线 Light"/>
+        <a:font script="Hant" typeface="新細明體"/>
+        <a:font script="Arab" typeface="Times New Roman"/>
+        <a:font script="Hebr" typeface="Times New Roman"/>
+        <a:font script="Thai" typeface="Angsana New"/>
+        <a:font script="Ethi" typeface="Nyala"/>
+        <a:font script="Beng" typeface="Vrinda"/>
+        <a:font script="Gujr" typeface="Shruti"/>
+        <a:font script="Khmr" typeface="MoolBoran"/>
+        <a:font script="Knda" typeface="Tunga"/>
+        <a:font script="Guru" typeface="Raavi"/>
+        <a:font script="Cans" typeface="Euphemia"/>
+        <a:font script="Cher" typeface="Plantagenet Cherokee"/>
+        <a:font script="Yiii" typeface="Microsoft Yi Baiti"/>
+        <a:font script="Tibt" typeface="Microsoft Himalaya"/>
+        <a:font script="Thaa" typeface="MV Boli"/>
+        <a:font script="Deva" typeface="Mangal"/>
+        <a:font script="Telu" typeface="Gautami"/>
+        <a:font script="Taml" typeface="Latha"/>
+        <a:font script="Syrc" typeface="Estrangelo Edessa"/>
+        <a:font script="Orya" typeface="Kalinga"/>
+        <a:font script="Mlym" typeface="Kartika"/>
+        <a:font script="Laoo" typeface="DokChampa"/>
+        <a:font script="Sinh" typeface="Iskoola Pota"/>
+        <a:font script="Mong" typeface="Mongolian Baiti"/>
+        <a:font script="Viet" typeface="Times New Roman"/>
+        <a:font script="Uigh" typeface="Microsoft Uighur"/>
+        <a:font script="Geor" typeface="Sylfaen"/>
+        <a:font script="Armn" typeface="Arial"/>
+        <a:font script="Bugi" typeface="Leelawadee UI"/>
+        <a:font script="Bopo" typeface="Microsoft JhengHei"/>
+        <a:font script="Java" typeface="Javanese Text"/>
+        <a:font script="Lisu" typeface="Segoe UI"/>
+        <a:font script="Mymr" typeface="Myanmar Text"/>
+        <a:font script="Nkoo" typeface="Ebrima"/>
+        <a:font script="Olck" typeface="Nirmala UI"/>
+        <a:font script="Osma" typeface="Ebrima"/>
+        <a:font script="Phag" typeface="Phagspa"/>
+        <a:font script="Syrn" typeface="Estrangelo Edessa"/>
+        <a:font script="Syrj" typeface="Estrangelo Edessa"/>
+        <a:font script="Syre" typeface="Estrangelo Edessa"/>
+        <a:font script="Sora" typeface="Nirmala UI"/>
+        <a:font script="Tale" typeface="Microsoft Tai Le"/>
+        <a:font script="Talu" typeface="Microsoft New Tai Lue"/>
+        <a:font script="Tfng" typeface="Ebrima"/>
+      </a:majorFont>
+      <a:minorFont>
+        <a:latin typeface="Calibri" panose="020F0502020204030204"/>
+        <a:ea typeface=""/>
+        <a:cs typeface=""/>
+        <a:font script="Jpan" typeface="游ゴシック"/>
+        <a:font script="Hang" typeface="맑은 고딕"/>
+        <a:font script="Hans" typeface="等线"/>
+        <a:font script="Hant" typeface="新細明體"/>
+        <a:font script="Arab" typeface="Arial"/>
+        <a:font script="Hebr" typeface="Arial"/>
+        <a:font script="Thai" typeface="Cordia New"/>
+        <a:font script="Ethi" typeface="Nyala"/>
+        <a:font script="Beng" typeface="Vrinda"/>
+        <a:font script="Gujr" typeface="Shruti"/>
+        <a:font script="Khmr" typeface="DaunPenh"/>
+        <a:font script="Knda" typeface="Tunga"/>
+        <a:font script="Guru" typeface="Raavi"/>
+        <a:font script="Cans" typeface="Euphemia"/>
+        <a:font script="Cher" typeface="Plantagenet Cherokee"/>
+        <a:font script="Yiii" typeface="Microsoft Yi Baiti"/>
+        <a:font script="Tibt" typeface="Microsoft Himalaya"/>
+        <a:font script="Thaa" typeface="MV Boli"/>
+        <a:font script="Deva" typeface="Mangal"/>
+        <a:font script="Telu" typeface="Gautami"/>
+        <a:font script="Taml" typeface="Latha"/>
+        <a:font script="Syrc" typeface="Estrangelo Edessa"/>
+        <a:font script="Orya" typeface="Kalinga"/>
+        <a:font script="Mlym" typeface="Kartika"/>
+        <a:font script="Laoo" typeface="DokChampa"/>
+        <a:font script="Sinh" typeface="Iskoola Pota"/>
+        <a:font script="Mong" typeface="Mongolian Baiti"/>
+        <a:font script="Viet" typeface="Arial"/>
+        <a:font script="Uigh" typeface="Microsoft Uighur"/>
+        <a:font script="Geor" typeface="Sylfaen"/>
+        <a:font script="Armn" typeface="Arial"/>
+        <a:font script="Bugi" typeface="Leelawadee UI"/>
+        <a:font script="Bopo" typeface="Microsoft JhengHei"/>
+        <a:font script="Java" typeface="Javanese Text"/>
+        <a:font script="Lisu" typeface="Segoe UI"/>
+        <a:font script="Mymr" typeface="Myanmar Text"/>
+        <a:font script="Nkoo" typeface="Ebrima"/>
+        <a:font script="Olck" typeface="Nirmala UI"/>
+        <a:font script="Osma" typeface="Ebrima"/>
+        <a:font script="Phag" typeface="Phagspa"/>
+        <a:font script="Syrn" typeface="Estrangelo Edessa"/>
+        <a:font script="Syrj" typeface="Estrangelo Edessa"/>
+        <a:font script="Syre" typeface="Estrangelo Edessa"/>
+        <a:font script="Sora" typeface="Nirmala UI"/>
+        <a:font script="Tale" typeface="Microsoft Tai Le"/>
+        <a:font script="Talu" typeface="Microsoft New Tai Lue"/>
+        <a:font script="Tfng" typeface="Ebrima"/>
+      </a:minorFont>
+    </a:fontScheme>
+    <a:fmtScheme name="Office">
+      <a:fillStyleLst>
+        <a:solidFill>
+          <a:schemeClr val="phClr"/>
+        </a:solidFill>
+        <a:gradFill rotWithShape="1">
+          <a:gsLst>
+            <a:gs pos="0">
+              <a:schemeClr val="phClr">
+                <a:lumMod val="110000"/>
+                <a:satMod val="105000"/>
+                <a:tint val="67000"/>
+              </a:schemeClr>
+            </a:gs>
+            <a:gs pos="50000">
+              <a:schemeClr val="phClr">
+                <a:lumMod val="105000"/>
+                <a:satMod val="103000"/>
+                <a:tint val="73000"/>
+              </a:schemeClr>
+            </a:gs>
+            <a:gs pos="100000">
+              <a:schemeClr val="phClr">
+                <a:lumMod val="105000"/>
+                <a:satMod val="109000"/>
+                <a:tint val="81000"/>
+              </a:schemeClr>
+            </a:gs>
+          </a:gsLst>
+          <a:lin ang="5400000" scaled="0"/>
+        </a:gradFill>
+        <a:gradFill rotWithShape="1">
+          <a:gsLst>
+            <a:gs pos="0">
+              <a:schemeClr val="phClr">
+                <a:satMod val="103000"/>
+                <a:lumMod val="102000"/>
+                <a:tint val="94000"/>
+              </a:schemeClr>
+            </a:gs>
+            <a:gs pos="50000">
+              <a:schemeClr val="phClr">
+                <a:satMod val="110000"/>
+                <a:lumMod val="100000"/>
+                <a:shade val="100000"/>
+              </a:schemeClr>
+            </a:gs>
+            <a:gs pos="100000">
+              <a:schemeClr val="phClr">
+                <a:lumMod val="99000"/>
+                <a:satMod val="120000"/>
+                <a:shade val="78000"/>
+              </a:schemeClr>
+            </a:gs>
+          </a:gsLst>
+          <a:lin ang="5400000" scaled="0"/>
+        </a:gradFill>
+      </a:fillStyleLst>
+      <a:lnStyleLst>
+        <a:ln w="6350" cap="flat" cmpd="sng" algn="ctr">
+          <a:solidFill>
+            <a:schemeClr val="phClr"/>
+          </a:solidFill>
+          <a:prstDash val="solid"/>
+          <a:miter lim="800000"/>
+        </a:ln>
+        <a:ln w="12700" cap="flat" cmpd="sng" algn="ctr">
+          <a:solidFill>
+            <a:schemeClr val="phClr"/>
+          </a:solidFill>
+          <a:prstDash val="solid"/>
+          <a:miter lim="800000"/>
+        </a:ln>
+        <a:ln w="19050" cap="flat" cmpd="sng" algn="ctr">
+          <a:solidFill>
+            <a:schemeClr val="phClr"/>
+          </a:solidFill>
+          <a:prstDash val="solid"/>
+          <a:miter lim="800000"/>
+        </a:ln>
+      </a:lnStyleLst>
+      <a:effectStyleLst>
+        <a:effectStyle>
+          <a:effectLst/>
+        </a:effectStyle>
+        <a:effectStyle>
+          <a:effectLst/>
+        </a:effectStyle>
+        <a:effectStyle>
+          <a:effectLst>
+            <a:outerShdw blurRad="57150" dist="19050" dir="5400000" algn="ctr" rotWithShape="0">
+              <a:srgbClr val="000000">
+                <a:alpha val="63000"/>
+              </a:srgbClr>
+            </a:outerShdw>
+          </a:effectLst>
+        </a:effectStyle>
+      </a:effectStyleLst>
+      <a:bgFillStyleLst>
+        <a:solidFill>
+          <a:schemeClr val="phClr"/>
+        </a:solidFill>
+        <a:solidFill>
+          <a:schemeClr val="phClr">
+            <a:tint val="95000"/>
+            <a:satMod val="170000"/>
+          </a:schemeClr>
+        </a:solidFill>
+        <a:gradFill rotWithShape="1">
+          <a:gsLst>
+            <a:gs pos="0">
+              <a:schemeClr val="phClr">
+                <a:tint val="93000"/>
+                <a:satMod val="150000"/>
+                <a:shade val="98000"/>
+                <a:lumMod val="102000"/>
+              </a:schemeClr>
+            </a:gs>
+            <a:gs pos="50000">
+              <a:schemeClr val="phClr">
+                <a:tint val="98000"/>
+                <a:satMod val="130000"/>
+                <a:shade val="90000"/>
+                <a:lumMod val="103000"/>
+              </a:schemeClr>
+            </a:gs>
+            <a:gs pos="100000">
+              <a:schemeClr val="phClr">
+                <a:shade val="63000"/>
+                <a:satMod val="120000"/>
+              </a:schemeClr>
+            </a:gs>
+          </a:gsLst>
+          <a:lin ang="5400000" scaled="0"/>
+        </a:gradFill>
+      </a:bgFillStyleLst>
+    </a:fmtScheme>
+  </a:themeElements>
+  <a:objectDefaults/>
+  <a:extraClrSchemeLst/>
+  <a:extLst>
+    <a:ext uri="{05A4C25C-085E-4340-85A3-A5531E510DB2}">
+      <thm15:themeFamily xmlns:thm15="http://schemas.microsoft.com/office/thememl/2012/main" name="Office Theme" id="{62F939B6-93AF-4DB8-9C6B-D6C7DFDC589F}" vid="{4A3C46E8-61CC-4603-A589-7422A47A8E4A}"/>
+    </a:ext>
+  </a:extLst>
+</a:theme>
 </file>